--- a/Network Address Translator presentation.pptx
+++ b/Network Address Translator presentation.pptx
@@ -213,7 +213,19 @@
               <c:showSerName val="0"/>
               <c:showPercent val="0"/>
               <c:showBubbleSize val="0"/>
+              <c:extLst>
+                <c:ext xmlns:c15="http://schemas.microsoft.com/office/drawing/2012/chart" uri="{CE6537A1-D6FC-4f65-9D91-7224C49458BB}">
+                  <c15:layout/>
+                </c:ext>
+              </c:extLst>
             </c:dLbl>
+            <c:spPr>
+              <a:noFill/>
+              <a:ln>
+                <a:noFill/>
+              </a:ln>
+              <a:effectLst/>
+            </c:spPr>
             <c:txPr>
               <a:bodyPr/>
               <a:lstStyle/>
@@ -231,6 +243,11 @@
             <c:showPercent val="0"/>
             <c:showBubbleSize val="0"/>
             <c:showLeaderLines val="0"/>
+            <c:extLst>
+              <c:ext xmlns:c15="http://schemas.microsoft.com/office/drawing/2012/chart" uri="{CE6537A1-D6FC-4f65-9D91-7224C49458BB}">
+                <c15:showLeaderLines val="0"/>
+              </c:ext>
+            </c:extLst>
           </c:dLbls>
           <c:cat>
             <c:strRef>
@@ -291,11 +308,7 @@
                   <a:p>
                     <a:r>
                       <a:rPr lang="en-US" dirty="0" smtClean="0"/>
-                      <a:t>$ 3000</a:t>
-                    </a:r>
-                    <a:r>
-                      <a:rPr lang="ru-RU" dirty="0" smtClean="0"/>
-                      <a:t> </a:t>
+                      <a:t>$ 3000 </a:t>
                     </a:r>
                     <a:endParaRPr lang="en-US" dirty="0"/>
                   </a:p>
@@ -307,7 +320,19 @@
               <c:showSerName val="0"/>
               <c:showPercent val="0"/>
               <c:showBubbleSize val="0"/>
+              <c:extLst>
+                <c:ext xmlns:c15="http://schemas.microsoft.com/office/drawing/2012/chart" uri="{CE6537A1-D6FC-4f65-9D91-7224C49458BB}">
+                  <c15:layout/>
+                </c:ext>
+              </c:extLst>
             </c:dLbl>
+            <c:spPr>
+              <a:noFill/>
+              <a:ln>
+                <a:noFill/>
+              </a:ln>
+              <a:effectLst/>
+            </c:spPr>
             <c:txPr>
               <a:bodyPr/>
               <a:lstStyle/>
@@ -325,6 +350,11 @@
             <c:showPercent val="0"/>
             <c:showBubbleSize val="0"/>
             <c:showLeaderLines val="0"/>
+            <c:extLst>
+              <c:ext xmlns:c15="http://schemas.microsoft.com/office/drawing/2012/chart" uri="{CE6537A1-D6FC-4f65-9D91-7224C49458BB}">
+                <c15:showLeaderLines val="0"/>
+              </c:ext>
+            </c:extLst>
           </c:dLbls>
           <c:cat>
             <c:strRef>
@@ -360,11 +390,11 @@
         </c:dLbls>
         <c:gapWidth val="219"/>
         <c:overlap val="-27"/>
-        <c:axId val="43801600"/>
-        <c:axId val="43807488"/>
+        <c:axId val="63616896"/>
+        <c:axId val="63618432"/>
       </c:barChart>
       <c:catAx>
-        <c:axId val="43801600"/>
+        <c:axId val="63616896"/>
         <c:scaling>
           <c:orientation val="minMax"/>
         </c:scaling>
@@ -374,7 +404,7 @@
         <c:majorTickMark val="none"/>
         <c:minorTickMark val="none"/>
         <c:tickLblPos val="nextTo"/>
-        <c:crossAx val="43807488"/>
+        <c:crossAx val="63618432"/>
         <c:crosses val="autoZero"/>
         <c:auto val="1"/>
         <c:lblAlgn val="ctr"/>
@@ -382,7 +412,7 @@
         <c:noMultiLvlLbl val="0"/>
       </c:catAx>
       <c:valAx>
-        <c:axId val="43807488"/>
+        <c:axId val="63618432"/>
         <c:scaling>
           <c:orientation val="minMax"/>
         </c:scaling>
@@ -433,7 +463,7 @@
             <a:endParaRPr lang="en-US"/>
           </a:p>
         </c:txPr>
-        <c:crossAx val="43801600"/>
+        <c:crossAx val="63616896"/>
         <c:crosses val="autoZero"/>
         <c:crossBetween val="between"/>
       </c:valAx>
@@ -522,7 +552,15 @@
             </a:pPr>
             <a:r>
               <a:rPr lang="en-US" sz="1200" b="1" dirty="0"/>
-              <a:t>[Mpps]</a:t>
+              <a:t>[</a:t>
+            </a:r>
+            <a:r>
+              <a:rPr lang="en-US" sz="1200" b="1" dirty="0" err="1" smtClean="0"/>
+              <a:t>Mpps</a:t>
+            </a:r>
+            <a:r>
+              <a:rPr lang="en-US" sz="1200" b="1" dirty="0"/>
+              <a:t>]</a:t>
             </a:r>
           </a:p>
         </c:rich>
@@ -582,7 +620,19 @@
               <c:showSerName val="0"/>
               <c:showPercent val="0"/>
               <c:showBubbleSize val="0"/>
+              <c:extLst>
+                <c:ext xmlns:c15="http://schemas.microsoft.com/office/drawing/2012/chart" uri="{CE6537A1-D6FC-4f65-9D91-7224C49458BB}">
+                  <c15:layout/>
+                </c:ext>
+              </c:extLst>
             </c:dLbl>
+            <c:spPr>
+              <a:noFill/>
+              <a:ln>
+                <a:noFill/>
+              </a:ln>
+              <a:effectLst/>
+            </c:spPr>
             <c:txPr>
               <a:bodyPr/>
               <a:lstStyle/>
@@ -601,6 +651,12 @@
             <c:showPercent val="0"/>
             <c:showBubbleSize val="0"/>
             <c:showLeaderLines val="0"/>
+            <c:extLst>
+              <c:ext xmlns:c15="http://schemas.microsoft.com/office/drawing/2012/chart" uri="{CE6537A1-D6FC-4f65-9D91-7224C49458BB}">
+                <c15:layout/>
+                <c15:showLeaderLines val="0"/>
+              </c:ext>
+            </c:extLst>
           </c:dLbls>
           <c:xVal>
             <c:numRef>
@@ -654,6 +710,13 @@
             <c:size val="4"/>
           </c:marker>
           <c:dLbls>
+            <c:spPr>
+              <a:noFill/>
+              <a:ln>
+                <a:noFill/>
+              </a:ln>
+              <a:effectLst/>
+            </c:spPr>
             <c:txPr>
               <a:bodyPr/>
               <a:lstStyle/>
@@ -672,6 +735,12 @@
             <c:showPercent val="0"/>
             <c:showBubbleSize val="0"/>
             <c:showLeaderLines val="0"/>
+            <c:extLst>
+              <c:ext xmlns:c15="http://schemas.microsoft.com/office/drawing/2012/chart" uri="{CE6537A1-D6FC-4f65-9D91-7224C49458BB}">
+                <c15:layout/>
+                <c15:showLeaderLines val="0"/>
+              </c:ext>
+            </c:extLst>
           </c:dLbls>
           <c:xVal>
             <c:numRef>
@@ -749,6 +818,13 @@
             <c:size val="4"/>
           </c:marker>
           <c:dLbls>
+            <c:spPr>
+              <a:noFill/>
+              <a:ln>
+                <a:noFill/>
+              </a:ln>
+              <a:effectLst/>
+            </c:spPr>
             <c:txPr>
               <a:bodyPr/>
               <a:lstStyle/>
@@ -767,6 +843,12 @@
             <c:showPercent val="0"/>
             <c:showBubbleSize val="0"/>
             <c:showLeaderLines val="0"/>
+            <c:extLst>
+              <c:ext xmlns:c15="http://schemas.microsoft.com/office/drawing/2012/chart" uri="{CE6537A1-D6FC-4f65-9D91-7224C49458BB}">
+                <c15:layout/>
+                <c15:showLeaderLines val="0"/>
+              </c:ext>
+            </c:extLst>
           </c:dLbls>
           <c:xVal>
             <c:numRef>
@@ -827,11 +909,11 @@
           <c:showPercent val="0"/>
           <c:showBubbleSize val="0"/>
         </c:dLbls>
-        <c:axId val="46958464"/>
-        <c:axId val="48318336"/>
+        <c:axId val="110754816"/>
+        <c:axId val="110433408"/>
       </c:scatterChart>
       <c:valAx>
-        <c:axId val="46958464"/>
+        <c:axId val="110754816"/>
         <c:scaling>
           <c:orientation val="minMax"/>
         </c:scaling>
@@ -878,12 +960,12 @@
             <a:endParaRPr lang="en-US"/>
           </a:p>
         </c:txPr>
-        <c:crossAx val="48318336"/>
+        <c:crossAx val="110433408"/>
         <c:crosses val="autoZero"/>
         <c:crossBetween val="midCat"/>
       </c:valAx>
       <c:valAx>
-        <c:axId val="48318336"/>
+        <c:axId val="110433408"/>
         <c:scaling>
           <c:orientation val="minMax"/>
         </c:scaling>
@@ -920,7 +1002,7 @@
             <a:endParaRPr lang="en-US"/>
           </a:p>
         </c:txPr>
-        <c:crossAx val="46958464"/>
+        <c:crossAx val="110754816"/>
         <c:crosses val="autoZero"/>
         <c:crossBetween val="midCat"/>
       </c:valAx>
@@ -973,557 +1055,16 @@
 </c:chartSpace>
 </file>
 
-<file path=ppt/charts/colors1.xml><?xml version="1.0" encoding="utf-8"?>
-<cs:colorStyle xmlns:cs="http://schemas.microsoft.com/office/drawing/2012/chartStyle" xmlns:a="http://schemas.openxmlformats.org/drawingml/2006/main" meth="cycle" id="10">
-  <a:schemeClr val="accent1"/>
-  <a:schemeClr val="accent2"/>
-  <a:schemeClr val="accent3"/>
-  <a:schemeClr val="accent4"/>
-  <a:schemeClr val="accent5"/>
-  <a:schemeClr val="accent6"/>
-  <cs:variation/>
-  <cs:variation>
-    <a:lumMod val="60000"/>
-  </cs:variation>
-  <cs:variation>
-    <a:lumMod val="80000"/>
-    <a:lumOff val="20000"/>
-  </cs:variation>
-  <cs:variation>
-    <a:lumMod val="80000"/>
-  </cs:variation>
-  <cs:variation>
-    <a:lumMod val="60000"/>
-    <a:lumOff val="40000"/>
-  </cs:variation>
-  <cs:variation>
-    <a:lumMod val="50000"/>
-  </cs:variation>
-  <cs:variation>
-    <a:lumMod val="70000"/>
-    <a:lumOff val="30000"/>
-  </cs:variation>
-  <cs:variation>
-    <a:lumMod val="70000"/>
-  </cs:variation>
-  <cs:variation>
-    <a:lumMod val="50000"/>
-    <a:lumOff val="50000"/>
-  </cs:variation>
-</cs:colorStyle>
-</file>
-
-<file path=ppt/charts/style1.xml><?xml version="1.0" encoding="utf-8"?>
-<cs:chartStyle xmlns:cs="http://schemas.microsoft.com/office/drawing/2012/chartStyle" xmlns:a="http://schemas.openxmlformats.org/drawingml/2006/main" id="201">
-  <cs:axisTitle>
-    <cs:lnRef idx="0"/>
-    <cs:fillRef idx="0"/>
-    <cs:effectRef idx="0"/>
-    <cs:fontRef idx="minor">
-      <a:schemeClr val="tx1">
-        <a:lumMod val="65000"/>
-        <a:lumOff val="35000"/>
-      </a:schemeClr>
-    </cs:fontRef>
-    <cs:defRPr sz="1330" kern="1200"/>
-  </cs:axisTitle>
-  <cs:categoryAxis>
-    <cs:lnRef idx="0"/>
-    <cs:fillRef idx="0"/>
-    <cs:effectRef idx="0"/>
-    <cs:fontRef idx="minor">
-      <a:schemeClr val="tx1">
-        <a:lumMod val="65000"/>
-        <a:lumOff val="35000"/>
-      </a:schemeClr>
-    </cs:fontRef>
-    <cs:spPr>
-      <a:ln w="9525" cap="flat" cmpd="sng" algn="ctr">
-        <a:solidFill>
-          <a:schemeClr val="tx1">
-            <a:lumMod val="15000"/>
-            <a:lumOff val="85000"/>
-          </a:schemeClr>
-        </a:solidFill>
-        <a:round/>
-      </a:ln>
-    </cs:spPr>
-    <cs:defRPr sz="1197" kern="1200"/>
-  </cs:categoryAxis>
-  <cs:chartArea mods="allowNoFillOverride allowNoLineOverride">
-    <cs:lnRef idx="0"/>
-    <cs:fillRef idx="0"/>
-    <cs:effectRef idx="0"/>
-    <cs:fontRef idx="minor">
-      <a:schemeClr val="tx1"/>
-    </cs:fontRef>
-    <cs:spPr>
-      <a:solidFill>
-        <a:schemeClr val="bg1"/>
-      </a:solidFill>
-      <a:ln w="9525" cap="flat" cmpd="sng" algn="ctr">
-        <a:solidFill>
-          <a:schemeClr val="tx1">
-            <a:lumMod val="15000"/>
-            <a:lumOff val="85000"/>
-          </a:schemeClr>
-        </a:solidFill>
-        <a:round/>
-      </a:ln>
-    </cs:spPr>
-    <cs:defRPr sz="1330" kern="1200"/>
-  </cs:chartArea>
-  <cs:dataLabel>
-    <cs:lnRef idx="0"/>
-    <cs:fillRef idx="0"/>
-    <cs:effectRef idx="0"/>
-    <cs:fontRef idx="minor">
-      <a:schemeClr val="tx1">
-        <a:lumMod val="75000"/>
-        <a:lumOff val="25000"/>
-      </a:schemeClr>
-    </cs:fontRef>
-    <cs:defRPr sz="1197" kern="1200"/>
-  </cs:dataLabel>
-  <cs:dataLabelCallout>
-    <cs:lnRef idx="0"/>
-    <cs:fillRef idx="0"/>
-    <cs:effectRef idx="0"/>
-    <cs:fontRef idx="minor">
-      <a:schemeClr val="dk1">
-        <a:lumMod val="65000"/>
-        <a:lumOff val="35000"/>
-      </a:schemeClr>
-    </cs:fontRef>
-    <cs:spPr>
-      <a:solidFill>
-        <a:schemeClr val="lt1"/>
-      </a:solidFill>
-      <a:ln>
-        <a:solidFill>
-          <a:schemeClr val="dk1">
-            <a:lumMod val="25000"/>
-            <a:lumOff val="75000"/>
-          </a:schemeClr>
-        </a:solidFill>
-      </a:ln>
-    </cs:spPr>
-    <cs:defRPr sz="1197" kern="1200"/>
-    <cs:bodyPr rot="0" spcFirstLastPara="1" vertOverflow="clip" horzOverflow="clip" vert="horz" wrap="square" lIns="36576" tIns="18288" rIns="36576" bIns="18288" anchor="ctr" anchorCtr="1"/>
-  </cs:dataLabelCallout>
-  <cs:dataPoint>
-    <cs:lnRef idx="0"/>
-    <cs:fillRef idx="1">
-      <cs:styleClr val="auto"/>
-    </cs:fillRef>
-    <cs:effectRef idx="0"/>
-    <cs:fontRef idx="minor">
-      <a:schemeClr val="tx1"/>
-    </cs:fontRef>
-  </cs:dataPoint>
-  <cs:dataPoint3D>
-    <cs:lnRef idx="0"/>
-    <cs:fillRef idx="1">
-      <cs:styleClr val="auto"/>
-    </cs:fillRef>
-    <cs:effectRef idx="0"/>
-    <cs:fontRef idx="minor">
-      <a:schemeClr val="tx1"/>
-    </cs:fontRef>
-  </cs:dataPoint3D>
-  <cs:dataPointLine>
-    <cs:lnRef idx="0">
-      <cs:styleClr val="auto"/>
-    </cs:lnRef>
-    <cs:fillRef idx="1"/>
-    <cs:effectRef idx="0"/>
-    <cs:fontRef idx="minor">
-      <a:schemeClr val="tx1"/>
-    </cs:fontRef>
-    <cs:spPr>
-      <a:ln w="28575" cap="rnd">
-        <a:solidFill>
-          <a:schemeClr val="phClr"/>
-        </a:solidFill>
-        <a:round/>
-      </a:ln>
-    </cs:spPr>
-  </cs:dataPointLine>
-  <cs:dataPointMarker>
-    <cs:lnRef idx="0">
-      <cs:styleClr val="auto"/>
-    </cs:lnRef>
-    <cs:fillRef idx="1">
-      <cs:styleClr val="auto"/>
-    </cs:fillRef>
-    <cs:effectRef idx="0"/>
-    <cs:fontRef idx="minor">
-      <a:schemeClr val="tx1"/>
-    </cs:fontRef>
-    <cs:spPr>
-      <a:ln w="9525">
-        <a:solidFill>
-          <a:schemeClr val="phClr"/>
-        </a:solidFill>
-      </a:ln>
-    </cs:spPr>
-  </cs:dataPointMarker>
-  <cs:dataPointMarkerLayout symbol="circle" size="5"/>
-  <cs:dataPointWireframe>
-    <cs:lnRef idx="0">
-      <cs:styleClr val="auto"/>
-    </cs:lnRef>
-    <cs:fillRef idx="1"/>
-    <cs:effectRef idx="0"/>
-    <cs:fontRef idx="minor">
-      <a:schemeClr val="tx1"/>
-    </cs:fontRef>
-    <cs:spPr>
-      <a:ln w="9525" cap="rnd">
-        <a:solidFill>
-          <a:schemeClr val="phClr"/>
-        </a:solidFill>
-        <a:round/>
-      </a:ln>
-    </cs:spPr>
-  </cs:dataPointWireframe>
-  <cs:dataTable>
-    <cs:lnRef idx="0"/>
-    <cs:fillRef idx="0"/>
-    <cs:effectRef idx="0"/>
-    <cs:fontRef idx="minor">
-      <a:schemeClr val="tx1">
-        <a:lumMod val="65000"/>
-        <a:lumOff val="35000"/>
-      </a:schemeClr>
-    </cs:fontRef>
-    <cs:spPr>
-      <a:noFill/>
-      <a:ln w="9525" cap="flat" cmpd="sng" algn="ctr">
-        <a:solidFill>
-          <a:schemeClr val="tx1">
-            <a:lumMod val="15000"/>
-            <a:lumOff val="85000"/>
-          </a:schemeClr>
-        </a:solidFill>
-        <a:round/>
-      </a:ln>
-    </cs:spPr>
-    <cs:defRPr sz="1197" kern="1200"/>
-  </cs:dataTable>
-  <cs:downBar>
-    <cs:lnRef idx="0"/>
-    <cs:fillRef idx="0"/>
-    <cs:effectRef idx="0"/>
-    <cs:fontRef idx="minor">
-      <a:schemeClr val="dk1"/>
-    </cs:fontRef>
-    <cs:spPr>
-      <a:solidFill>
-        <a:schemeClr val="dk1">
-          <a:lumMod val="65000"/>
-          <a:lumOff val="35000"/>
-        </a:schemeClr>
-      </a:solidFill>
-      <a:ln w="9525">
-        <a:solidFill>
-          <a:schemeClr val="tx1">
-            <a:lumMod val="65000"/>
-            <a:lumOff val="35000"/>
-          </a:schemeClr>
-        </a:solidFill>
-      </a:ln>
-    </cs:spPr>
-  </cs:downBar>
-  <cs:dropLine>
-    <cs:lnRef idx="0"/>
-    <cs:fillRef idx="0"/>
-    <cs:effectRef idx="0"/>
-    <cs:fontRef idx="minor">
-      <a:schemeClr val="tx1"/>
-    </cs:fontRef>
-    <cs:spPr>
-      <a:ln w="9525" cap="flat" cmpd="sng" algn="ctr">
-        <a:solidFill>
-          <a:schemeClr val="tx1">
-            <a:lumMod val="35000"/>
-            <a:lumOff val="65000"/>
-          </a:schemeClr>
-        </a:solidFill>
-        <a:round/>
-      </a:ln>
-    </cs:spPr>
-  </cs:dropLine>
-  <cs:errorBar>
-    <cs:lnRef idx="0"/>
-    <cs:fillRef idx="0"/>
-    <cs:effectRef idx="0"/>
-    <cs:fontRef idx="minor">
-      <a:schemeClr val="tx1"/>
-    </cs:fontRef>
-    <cs:spPr>
-      <a:ln w="9525" cap="flat" cmpd="sng" algn="ctr">
-        <a:solidFill>
-          <a:schemeClr val="tx1">
-            <a:lumMod val="65000"/>
-            <a:lumOff val="35000"/>
-          </a:schemeClr>
-        </a:solidFill>
-        <a:round/>
-      </a:ln>
-    </cs:spPr>
-  </cs:errorBar>
-  <cs:floor>
-    <cs:lnRef idx="0"/>
-    <cs:fillRef idx="0"/>
-    <cs:effectRef idx="0"/>
-    <cs:fontRef idx="minor">
-      <a:schemeClr val="tx1"/>
-    </cs:fontRef>
-    <cs:spPr>
-      <a:noFill/>
-      <a:ln>
-        <a:noFill/>
-      </a:ln>
-    </cs:spPr>
-  </cs:floor>
-  <cs:gridlineMajor>
-    <cs:lnRef idx="0"/>
-    <cs:fillRef idx="0"/>
-    <cs:effectRef idx="0"/>
-    <cs:fontRef idx="minor">
-      <a:schemeClr val="tx1"/>
-    </cs:fontRef>
-    <cs:spPr>
-      <a:ln w="9525" cap="flat" cmpd="sng" algn="ctr">
-        <a:solidFill>
-          <a:schemeClr val="tx1">
-            <a:lumMod val="15000"/>
-            <a:lumOff val="85000"/>
-          </a:schemeClr>
-        </a:solidFill>
-        <a:round/>
-      </a:ln>
-    </cs:spPr>
-  </cs:gridlineMajor>
-  <cs:gridlineMinor>
-    <cs:lnRef idx="0"/>
-    <cs:fillRef idx="0"/>
-    <cs:effectRef idx="0"/>
-    <cs:fontRef idx="minor">
-      <a:schemeClr val="tx1"/>
-    </cs:fontRef>
-    <cs:spPr>
-      <a:ln w="9525" cap="flat" cmpd="sng" algn="ctr">
-        <a:solidFill>
-          <a:schemeClr val="tx1">
-            <a:lumMod val="5000"/>
-            <a:lumOff val="95000"/>
-          </a:schemeClr>
-        </a:solidFill>
-        <a:round/>
-      </a:ln>
-    </cs:spPr>
-  </cs:gridlineMinor>
-  <cs:hiLoLine>
-    <cs:lnRef idx="0"/>
-    <cs:fillRef idx="0"/>
-    <cs:effectRef idx="0"/>
-    <cs:fontRef idx="minor">
-      <a:schemeClr val="tx1"/>
-    </cs:fontRef>
-    <cs:spPr>
-      <a:ln w="9525" cap="flat" cmpd="sng" algn="ctr">
-        <a:solidFill>
-          <a:schemeClr val="tx1">
-            <a:lumMod val="75000"/>
-            <a:lumOff val="25000"/>
-          </a:schemeClr>
-        </a:solidFill>
-        <a:round/>
-      </a:ln>
-    </cs:spPr>
-  </cs:hiLoLine>
-  <cs:leaderLine>
-    <cs:lnRef idx="0"/>
-    <cs:fillRef idx="0"/>
-    <cs:effectRef idx="0"/>
-    <cs:fontRef idx="minor">
-      <a:schemeClr val="tx1"/>
-    </cs:fontRef>
-    <cs:spPr>
-      <a:ln w="9525" cap="flat" cmpd="sng" algn="ctr">
-        <a:solidFill>
-          <a:schemeClr val="tx1">
-            <a:lumMod val="35000"/>
-            <a:lumOff val="65000"/>
-          </a:schemeClr>
-        </a:solidFill>
-        <a:round/>
-      </a:ln>
-    </cs:spPr>
-  </cs:leaderLine>
-  <cs:legend>
-    <cs:lnRef idx="0"/>
-    <cs:fillRef idx="0"/>
-    <cs:effectRef idx="0"/>
-    <cs:fontRef idx="minor">
-      <a:schemeClr val="tx1">
-        <a:lumMod val="65000"/>
-        <a:lumOff val="35000"/>
-      </a:schemeClr>
-    </cs:fontRef>
-    <cs:defRPr sz="1197" kern="1200"/>
-  </cs:legend>
-  <cs:plotArea mods="allowNoFillOverride allowNoLineOverride">
-    <cs:lnRef idx="0"/>
-    <cs:fillRef idx="0"/>
-    <cs:effectRef idx="0"/>
-    <cs:fontRef idx="minor">
-      <a:schemeClr val="tx1"/>
-    </cs:fontRef>
-  </cs:plotArea>
-  <cs:plotArea3D mods="allowNoFillOverride allowNoLineOverride">
-    <cs:lnRef idx="0"/>
-    <cs:fillRef idx="0"/>
-    <cs:effectRef idx="0"/>
-    <cs:fontRef idx="minor">
-      <a:schemeClr val="tx1"/>
-    </cs:fontRef>
-  </cs:plotArea3D>
-  <cs:seriesAxis>
-    <cs:lnRef idx="0"/>
-    <cs:fillRef idx="0"/>
-    <cs:effectRef idx="0"/>
-    <cs:fontRef idx="minor">
-      <a:schemeClr val="tx1">
-        <a:lumMod val="65000"/>
-        <a:lumOff val="35000"/>
-      </a:schemeClr>
-    </cs:fontRef>
-    <cs:defRPr sz="1197" kern="1200"/>
-  </cs:seriesAxis>
-  <cs:seriesLine>
-    <cs:lnRef idx="0"/>
-    <cs:fillRef idx="0"/>
-    <cs:effectRef idx="0"/>
-    <cs:fontRef idx="minor">
-      <a:schemeClr val="tx1"/>
-    </cs:fontRef>
-    <cs:spPr>
-      <a:ln w="9525" cap="flat" cmpd="sng" algn="ctr">
-        <a:solidFill>
-          <a:schemeClr val="tx1">
-            <a:lumMod val="35000"/>
-            <a:lumOff val="65000"/>
-          </a:schemeClr>
-        </a:solidFill>
-        <a:round/>
-      </a:ln>
-    </cs:spPr>
-  </cs:seriesLine>
-  <cs:title>
-    <cs:lnRef idx="0"/>
-    <cs:fillRef idx="0"/>
-    <cs:effectRef idx="0"/>
-    <cs:fontRef idx="minor">
-      <a:schemeClr val="tx1">
-        <a:lumMod val="65000"/>
-        <a:lumOff val="35000"/>
-      </a:schemeClr>
-    </cs:fontRef>
-    <cs:defRPr sz="1862" b="0" kern="1200" spc="0" baseline="0"/>
-  </cs:title>
-  <cs:trendline>
-    <cs:lnRef idx="0">
-      <cs:styleClr val="auto"/>
-    </cs:lnRef>
-    <cs:fillRef idx="0"/>
-    <cs:effectRef idx="0"/>
-    <cs:fontRef idx="minor">
-      <a:schemeClr val="tx1"/>
-    </cs:fontRef>
-    <cs:spPr>
-      <a:ln w="19050" cap="rnd">
-        <a:solidFill>
-          <a:schemeClr val="phClr"/>
-        </a:solidFill>
-        <a:prstDash val="sysDot"/>
-      </a:ln>
-    </cs:spPr>
-  </cs:trendline>
-  <cs:trendlineLabel>
-    <cs:lnRef idx="0"/>
-    <cs:fillRef idx="0"/>
-    <cs:effectRef idx="0"/>
-    <cs:fontRef idx="minor">
-      <a:schemeClr val="tx1">
-        <a:lumMod val="65000"/>
-        <a:lumOff val="35000"/>
-      </a:schemeClr>
-    </cs:fontRef>
-    <cs:defRPr sz="1197" kern="1200"/>
-  </cs:trendlineLabel>
-  <cs:upBar>
-    <cs:lnRef idx="0"/>
-    <cs:fillRef idx="0"/>
-    <cs:effectRef idx="0"/>
-    <cs:fontRef idx="minor">
-      <a:schemeClr val="dk1"/>
-    </cs:fontRef>
-    <cs:spPr>
-      <a:solidFill>
-        <a:schemeClr val="lt1"/>
-      </a:solidFill>
-      <a:ln w="9525">
-        <a:solidFill>
-          <a:schemeClr val="tx1">
-            <a:lumMod val="15000"/>
-            <a:lumOff val="85000"/>
-          </a:schemeClr>
-        </a:solidFill>
-      </a:ln>
-    </cs:spPr>
-  </cs:upBar>
-  <cs:valueAxis>
-    <cs:lnRef idx="0"/>
-    <cs:fillRef idx="0"/>
-    <cs:effectRef idx="0"/>
-    <cs:fontRef idx="minor">
-      <a:schemeClr val="tx1">
-        <a:lumMod val="65000"/>
-        <a:lumOff val="35000"/>
-      </a:schemeClr>
-    </cs:fontRef>
-    <cs:defRPr sz="1197" kern="1200"/>
-  </cs:valueAxis>
-  <cs:wall>
-    <cs:lnRef idx="0"/>
-    <cs:fillRef idx="0"/>
-    <cs:effectRef idx="0"/>
-    <cs:fontRef idx="minor">
-      <a:schemeClr val="tx1"/>
-    </cs:fontRef>
-    <cs:spPr>
-      <a:noFill/>
-      <a:ln>
-        <a:noFill/>
-      </a:ln>
-    </cs:spPr>
-  </cs:wall>
-</cs:chartStyle>
-</file>
-
 <file path=ppt/drawings/drawing1.xml><?xml version="1.0" encoding="utf-8"?>
 <c:userShapes xmlns:c="http://schemas.openxmlformats.org/drawingml/2006/chart">
   <cdr:relSizeAnchor xmlns:cdr="http://schemas.openxmlformats.org/drawingml/2006/chartDrawing">
     <cdr:from>
       <cdr:x>0.29167</cdr:x>
-      <cdr:y>0.78571</cdr:y>
+      <cdr:y>0.69811</cdr:y>
     </cdr:from>
     <cdr:to>
-      <cdr:x>0.45</cdr:x>
-      <cdr:y>1</cdr:y>
+      <cdr:x>0.49166</cdr:x>
+      <cdr:y>0.9124</cdr:y>
     </cdr:to>
     <cdr:sp macro="" textlink="">
       <cdr:nvSpPr>
@@ -1532,8 +1073,8 @@
       </cdr:nvSpPr>
       <cdr:spPr>
         <a:xfrm xmlns:a="http://schemas.openxmlformats.org/drawingml/2006/main">
-          <a:off x="2667000" y="3352800"/>
-          <a:ext cx="1447800" cy="914400"/>
+          <a:off x="2667000" y="2819400"/>
+          <a:ext cx="1828770" cy="865432"/>
         </a:xfrm>
         <a:prstGeom xmlns:a="http://schemas.openxmlformats.org/drawingml/2006/main" prst="rect">
           <a:avLst/>
@@ -1543,13 +1084,25 @@
         <a:bodyPr xmlns:a="http://schemas.openxmlformats.org/drawingml/2006/main" vertOverflow="clip" wrap="none" rtlCol="0"/>
         <a:lstStyle xmlns:a="http://schemas.openxmlformats.org/drawingml/2006/main"/>
         <a:p xmlns:a="http://schemas.openxmlformats.org/drawingml/2006/main">
+          <a:pPr algn="ctr"/>
           <a:r>
             <a:rPr lang="en-US" sz="2400" b="1" dirty="0" smtClean="0">
               <a:solidFill>
                 <a:schemeClr val="tx1"/>
               </a:solidFill>
             </a:rPr>
-            <a:t>Regular NAT</a:t>
+            <a:t>Traditional </a:t>
+          </a:r>
+        </a:p>
+        <a:p xmlns:a="http://schemas.openxmlformats.org/drawingml/2006/main">
+          <a:pPr algn="ctr"/>
+          <a:r>
+            <a:rPr lang="en-US" sz="2400" b="1" dirty="0" smtClean="0">
+              <a:solidFill>
+                <a:schemeClr val="tx1"/>
+              </a:solidFill>
+            </a:rPr>
+            <a:t>NAT</a:t>
           </a:r>
           <a:endParaRPr lang="en-US" sz="2400" b="1" dirty="0">
             <a:solidFill>
@@ -1701,7 +1254,7 @@
           <a:p>
             <a:fld id="{762B48F5-BACC-47D6-A0F7-82FBF9C6BC85}" type="datetimeFigureOut">
               <a:rPr lang="en-US"/>
-              <a:t>06-May-15</a:t>
+              <a:t>11-May-15</a:t>
             </a:fld>
             <a:endParaRPr dirty="0"/>
           </a:p>
@@ -1866,7 +1419,7 @@
           <a:p>
             <a:fld id="{0CB1CD00-5424-4675-AB18-2C419B060449}" type="datetimeFigureOut">
               <a:rPr lang="en-US"/>
-              <a:t>06-May-15</a:t>
+              <a:t>11-May-15</a:t>
             </a:fld>
             <a:endParaRPr dirty="0"/>
           </a:p>
@@ -2597,7 +2150,7 @@
           <a:p>
             <a:fld id="{37CC0096-1860-4642-9CD2-0079EA5E7CD1}" type="datetimeFigureOut">
               <a:rPr lang="en-US" smtClean="0"/>
-              <a:t>06-May-15</a:t>
+              <a:t>11-May-15</a:t>
             </a:fld>
             <a:endParaRPr lang="en-US" dirty="0"/>
           </a:p>
@@ -2792,7 +2345,7 @@
           <a:p>
             <a:fld id="{37CC0096-1860-4642-9CD2-0079EA5E7CD1}" type="datetimeFigureOut">
               <a:rPr lang="en-US" smtClean="0"/>
-              <a:t>06-May-15</a:t>
+              <a:t>11-May-15</a:t>
             </a:fld>
             <a:endParaRPr lang="en-US" dirty="0"/>
           </a:p>
@@ -2981,7 +2534,7 @@
           <a:p>
             <a:fld id="{37CC0096-1860-4642-9CD2-0079EA5E7CD1}" type="datetimeFigureOut">
               <a:rPr lang="en-US" smtClean="0"/>
-              <a:t>06-May-15</a:t>
+              <a:t>11-May-15</a:t>
             </a:fld>
             <a:endParaRPr lang="en-US" dirty="0"/>
           </a:p>
@@ -3446,7 +2999,7 @@
           <a:p>
             <a:fld id="{37CC0096-1860-4642-9CD2-0079EA5E7CD1}" type="datetimeFigureOut">
               <a:rPr lang="en-US" smtClean="0"/>
-              <a:t>06-May-15</a:t>
+              <a:t>11-May-15</a:t>
             </a:fld>
             <a:endParaRPr lang="en-US" dirty="0"/>
           </a:p>
@@ -3901,7 +3454,7 @@
           <a:p>
             <a:fld id="{37CC0096-1860-4642-9CD2-0079EA5E7CD1}" type="datetimeFigureOut">
               <a:rPr lang="en-US" smtClean="0"/>
-              <a:t>06-May-15</a:t>
+              <a:t>11-May-15</a:t>
             </a:fld>
             <a:endParaRPr lang="en-US" dirty="0"/>
           </a:p>
@@ -4034,7 +3587,7 @@
           <a:p>
             <a:fld id="{37CC0096-1860-4642-9CD2-0079EA5E7CD1}" type="datetimeFigureOut">
               <a:rPr lang="en-US" smtClean="0"/>
-              <a:t>06-May-15</a:t>
+              <a:t>11-May-15</a:t>
             </a:fld>
             <a:endParaRPr lang="en-US" dirty="0"/>
           </a:p>
@@ -4144,7 +3697,7 @@
           <a:p>
             <a:fld id="{37CC0096-1860-4642-9CD2-0079EA5E7CD1}" type="datetimeFigureOut">
               <a:rPr lang="en-US" smtClean="0"/>
-              <a:t>06-May-15</a:t>
+              <a:t>11-May-15</a:t>
             </a:fld>
             <a:endParaRPr lang="en-US" dirty="0"/>
           </a:p>
@@ -4443,7 +3996,7 @@
           <a:p>
             <a:fld id="{37CC0096-1860-4642-9CD2-0079EA5E7CD1}" type="datetimeFigureOut">
               <a:rPr lang="en-US" smtClean="0"/>
-              <a:t>06-May-15</a:t>
+              <a:t>11-May-15</a:t>
             </a:fld>
             <a:endParaRPr lang="en-US" dirty="0"/>
           </a:p>
@@ -4771,7 +4324,7 @@
           <a:p>
             <a:fld id="{37CC0096-1860-4642-9CD2-0079EA5E7CD1}" type="datetimeFigureOut">
               <a:rPr lang="en-US" smtClean="0"/>
-              <a:t>06-May-15</a:t>
+              <a:t>11-May-15</a:t>
             </a:fld>
             <a:endParaRPr lang="en-US" dirty="0"/>
           </a:p>
@@ -5000,7 +4553,7 @@
             <a:fld id="{37CC0096-1860-4642-9CD2-0079EA5E7CD1}" type="datetimeFigureOut">
               <a:rPr lang="en-US"/>
               <a:pPr/>
-              <a:t>06-May-15</a:t>
+              <a:t>11-May-15</a:t>
             </a:fld>
             <a:endParaRPr dirty="0"/>
           </a:p>
@@ -5886,7 +5439,7 @@
             <a:pPr algn="ctr"/>
             <a:r>
               <a:rPr lang="en-US" sz="4000" b="1" dirty="0" smtClean="0"/>
-              <a:t>High-performance NAT prices</a:t>
+              <a:t>Traditional NAT prices</a:t>
             </a:r>
             <a:endParaRPr lang="en-US" sz="4000" b="1" dirty="0"/>
           </a:p>
@@ -5901,7 +5454,7 @@
           <p:nvPr>
             <p:extLst>
               <p:ext uri="{D42A27DB-BD31-4B8C-83A1-F6EECF244321}">
-                <p14:modId xmlns:p14="http://schemas.microsoft.com/office/powerpoint/2010/main" val="923954378"/>
+                <p14:modId xmlns:p14="http://schemas.microsoft.com/office/powerpoint/2010/main" val="3471178282"/>
               </p:ext>
             </p:extLst>
           </p:nvPr>
@@ -6005,7 +5558,7 @@
             <a:pPr algn="ctr"/>
             <a:r>
               <a:rPr lang="en-US" sz="4000" b="1" dirty="0" smtClean="0"/>
-              <a:t>Software defined NAT Target Characteristics</a:t>
+              <a:t>Software Defined NAT Target Characteristics</a:t>
             </a:r>
             <a:endParaRPr lang="en-US" sz="4000" b="1" dirty="0"/>
           </a:p>
@@ -6396,7 +5949,7 @@
             <a:pPr algn="ctr"/>
             <a:r>
               <a:rPr lang="en-US" sz="4000" b="1" dirty="0" smtClean="0"/>
-              <a:t>What makes our software to work so fast?</a:t>
+              <a:t>What makes our software work so fast?</a:t>
             </a:r>
             <a:endParaRPr lang="en-US" sz="4000" b="1" dirty="0"/>
           </a:p>
@@ -7577,7 +7130,7 @@
             <a:pPr algn="ctr"/>
             <a:r>
               <a:rPr lang="en-US" sz="4000" b="1" dirty="0" smtClean="0"/>
-              <a:t>Software defined NAT cost price estimation </a:t>
+              <a:t>Software Defined NAT cost estimation </a:t>
             </a:r>
             <a:endParaRPr lang="en-US" sz="4000" b="1" dirty="0"/>
           </a:p>
@@ -7710,9 +7263,8 @@
             <a:pPr algn="ctr"/>
             <a:r>
               <a:rPr lang="en-US" sz="4000" b="1" dirty="0" smtClean="0"/>
-              <a:t>Who did this?</a:t>
-            </a:r>
-            <a:endParaRPr lang="en-US" sz="4000" b="1" dirty="0"/>
+              <a:t>Development Team</a:t>
+            </a:r>
           </a:p>
         </p:txBody>
       </p:sp>
@@ -7976,7 +7528,7 @@
             </a:pPr>
             <a:r>
               <a:rPr lang="en-US" sz="3200" dirty="0" smtClean="0"/>
-              <a:t>              under supervision of two Intel© professionals:</a:t>
+              <a:t>              under the supervision of two Intel© professionals:</a:t>
             </a:r>
           </a:p>
           <a:p>
@@ -8107,10 +7659,10 @@
           <a:lstStyle/>
           <a:p>
             <a:r>
-              <a:rPr lang="en-US" sz="4000" b="1" dirty="0" smtClean="0"/>
-              <a:t>What is Network Address Translator (NAT)?</a:t>
-            </a:r>
-            <a:endParaRPr sz="4000" b="1" dirty="0"/>
+              <a:rPr lang="en-US" sz="3600" b="1" dirty="0" smtClean="0"/>
+              <a:t>What is a Network Address Translator (NAT)?</a:t>
+            </a:r>
+            <a:endParaRPr sz="3600" b="1" dirty="0"/>
           </a:p>
         </p:txBody>
       </p:sp>
@@ -8142,12 +7694,8 @@
               </a:lnSpc>
             </a:pPr>
             <a:r>
-              <a:rPr sz="4000" dirty="0" smtClean="0"/>
-              <a:t>A</a:t>
-            </a:r>
-            <a:r>
               <a:rPr lang="en-US" sz="4000" dirty="0" smtClean="0"/>
-              <a:t> kind of special data network equipment</a:t>
+              <a:t>Component of data networking equipment</a:t>
             </a:r>
             <a:endParaRPr sz="4000" dirty="0"/>
           </a:p>
@@ -8159,15 +7707,7 @@
             </a:pPr>
             <a:r>
               <a:rPr lang="en-US" sz="4000" dirty="0" smtClean="0"/>
-              <a:t>Standard </a:t>
-            </a:r>
-            <a:r>
-              <a:rPr lang="en-US" sz="4000" dirty="0" smtClean="0"/>
-              <a:t>and integral </a:t>
-            </a:r>
-            <a:r>
-              <a:rPr lang="en-US" sz="4000" dirty="0" smtClean="0"/>
-              <a:t>equipment for Internet Providers data networks</a:t>
+              <a:t>Standard and integral equipment for Internet Service Provider (ISP) data networks</a:t>
             </a:r>
             <a:endParaRPr sz="4000" dirty="0"/>
           </a:p>
@@ -8179,7 +7719,7 @@
             </a:pPr>
             <a:r>
               <a:rPr lang="en-US" sz="4000" dirty="0" smtClean="0"/>
-              <a:t>If high performance needed – specially designed device is used </a:t>
+              <a:t>If high performance is needed – a specially designed device is used </a:t>
             </a:r>
             <a:r>
               <a:rPr lang="en-US" sz="4800" b="1" u="sng" dirty="0" smtClean="0"/>
@@ -8246,7 +7786,7 @@
         </p:nvSpPr>
         <p:spPr>
           <a:xfrm>
-            <a:off x="685800" y="762000"/>
+            <a:off x="685800" y="1219200"/>
             <a:ext cx="11506200" cy="762000"/>
           </a:xfrm>
         </p:spPr>
@@ -8267,7 +7807,7 @@
                   <a:schemeClr val="accent1"/>
                 </a:solidFill>
               </a:rPr>
-              <a:t>A regular high-performance NAT device </a:t>
+              <a:t>A typical high-performance NAT device </a:t>
             </a:r>
             <a:br>
               <a:rPr lang="en-US" sz="4000" b="1" dirty="0" smtClean="0">
@@ -8323,7 +7863,7 @@
         </p:blipFill>
         <p:spPr>
           <a:xfrm>
-            <a:off x="2003659" y="2362200"/>
+            <a:off x="2003659" y="2731008"/>
             <a:ext cx="8229600" cy="3060192"/>
           </a:xfrm>
           <a:prstGeom prst="rect">
@@ -8448,7 +7988,7 @@
         </p:nvSpPr>
         <p:spPr>
           <a:xfrm>
-            <a:off x="1524000" y="3124200"/>
+            <a:off x="1219200" y="3124200"/>
             <a:ext cx="9601200" cy="2286000"/>
           </a:xfrm>
         </p:spPr>
@@ -8458,9 +7998,25 @@
           </a:bodyPr>
           <a:lstStyle/>
           <a:p>
+            <a:pPr algn="ctr"/>
             <a:r>
               <a:rPr lang="en-US" sz="4000" b="1" dirty="0" smtClean="0"/>
-              <a:t>Around $6000 per 10 Gpps at minimum</a:t>
+              <a:t>Around $6000 per </a:t>
+            </a:r>
+            <a:r>
+              <a:rPr lang="en-US" sz="4000" b="1" dirty="0" smtClean="0"/>
+              <a:t>10G packet per second </a:t>
+            </a:r>
+          </a:p>
+          <a:p>
+            <a:pPr algn="ctr"/>
+            <a:r>
+              <a:rPr lang="en-US" sz="4000" b="1" dirty="0" smtClean="0"/>
+              <a:t>at </a:t>
+            </a:r>
+            <a:r>
+              <a:rPr lang="en-US" sz="4000" b="1" dirty="0" smtClean="0"/>
+              <a:t>minimum</a:t>
             </a:r>
             <a:endParaRPr sz="4000" b="1" dirty="0"/>
           </a:p>
@@ -8971,7 +8527,7 @@
         </p:blipFill>
         <p:spPr>
           <a:xfrm>
-            <a:off x="7315200" y="990600"/>
+            <a:off x="7213633" y="1272879"/>
             <a:ext cx="4140167" cy="5204121"/>
           </a:xfrm>
           <a:prstGeom prst="rect">
@@ -8989,8 +8545,8 @@
         </p:nvSpPr>
         <p:spPr>
           <a:xfrm>
-            <a:off x="410679" y="4419600"/>
-            <a:ext cx="6934199" cy="794886"/>
+            <a:off x="944079" y="4419600"/>
+            <a:ext cx="6066321" cy="794886"/>
           </a:xfrm>
           <a:prstGeom prst="rect">
             <a:avLst/>
@@ -9020,7 +8576,7 @@
           <a:p>
             <a:r>
               <a:rPr lang="en-US" sz="4000" b="1" dirty="0" smtClean="0"/>
-              <a:t>…and have a cost price</a:t>
+              <a:t>…and will cost</a:t>
             </a:r>
           </a:p>
           <a:p>
@@ -9118,7 +8674,7 @@
             <p:ph idx="1"/>
             <p:extLst>
               <p:ext uri="{D42A27DB-BD31-4B8C-83A1-F6EECF244321}">
-                <p14:modId xmlns:p14="http://schemas.microsoft.com/office/powerpoint/2010/main" val="1611539561"/>
+                <p14:modId xmlns:p14="http://schemas.microsoft.com/office/powerpoint/2010/main" val="656122673"/>
               </p:ext>
             </p:extLst>
           </p:nvPr>
@@ -9143,7 +8699,7 @@
         </p:nvSpPr>
         <p:spPr>
           <a:xfrm>
-            <a:off x="609600" y="5715000"/>
+            <a:off x="457200" y="5715000"/>
             <a:ext cx="11887200" cy="2286000"/>
           </a:xfrm>
           <a:prstGeom prst="rect">
@@ -9361,7 +8917,7 @@
             </a:pPr>
             <a:r>
               <a:rPr lang="en-US" sz="3200" b="1" dirty="0" smtClean="0"/>
-              <a:t>Our Software Defined NAT is TWICE cheaper that regular one</a:t>
+              <a:t>Our Software Defined NAT costs 50% less than a traditional NAT</a:t>
             </a:r>
             <a:endParaRPr lang="en-US" sz="3200" b="1" dirty="0"/>
           </a:p>
@@ -9488,7 +9044,7 @@
         </p:spPr>
         <p:txBody>
           <a:bodyPr>
-            <a:normAutofit/>
+            <a:normAutofit lnSpcReduction="10000"/>
           </a:bodyPr>
           <a:lstStyle>
             <a:lvl1pPr marL="228600" indent="-228600" algn="l" defTabSz="914400" rtl="0" eaLnBrk="1" latinLnBrk="0" hangingPunct="1">
@@ -9694,7 +9250,7 @@
           <a:p>
             <a:r>
               <a:rPr lang="en-US" sz="4400" dirty="0" smtClean="0"/>
-              <a:t>Twice cheaper than regular one, having the same performance rate</a:t>
+              <a:t>Costs 50% less than a traditional NAT, but has the same performance characteristics</a:t>
             </a:r>
           </a:p>
           <a:p>
